--- a/团队展示.pptx
+++ b/团队展示.pptx
@@ -5,22 +5,24 @@
     <p:sldMasterId id="2147483648" r:id="rId4"/>
   </p:sldMasterIdLst>
   <p:notesMasterIdLst>
-    <p:notesMasterId r:id="rId15"/>
+    <p:notesMasterId r:id="rId17"/>
   </p:notesMasterIdLst>
   <p:handoutMasterIdLst>
-    <p:handoutMasterId r:id="rId16"/>
+    <p:handoutMasterId r:id="rId18"/>
   </p:handoutMasterIdLst>
   <p:sldIdLst>
     <p:sldId id="256" r:id="rId5"/>
     <p:sldId id="265" r:id="rId6"/>
     <p:sldId id="275" r:id="rId7"/>
-    <p:sldId id="276" r:id="rId8"/>
-    <p:sldId id="277" r:id="rId9"/>
-    <p:sldId id="278" r:id="rId10"/>
-    <p:sldId id="279" r:id="rId11"/>
+    <p:sldId id="281" r:id="rId8"/>
+    <p:sldId id="276" r:id="rId9"/>
+    <p:sldId id="279" r:id="rId10"/>
+    <p:sldId id="282" r:id="rId11"/>
     <p:sldId id="280" r:id="rId12"/>
-    <p:sldId id="270" r:id="rId13"/>
-    <p:sldId id="274" r:id="rId14"/>
+    <p:sldId id="283" r:id="rId13"/>
+    <p:sldId id="270" r:id="rId14"/>
+    <p:sldId id="284" r:id="rId15"/>
+    <p:sldId id="274" r:id="rId16"/>
   </p:sldIdLst>
   <p:sldSz cx="12192000" cy="6858000"/>
   <p:notesSz cx="6858000" cy="9144000"/>
@@ -141,6 +143,18 @@
 </p:presentation>
 </file>
 
+<file path=ppt/commentAuthors.xml><?xml version="1.0" encoding="utf-8"?>
+<p:cmAuthorLst xmlns:a="http://schemas.openxmlformats.org/drawingml/2006/main" xmlns:r="http://schemas.openxmlformats.org/officeDocument/2006/relationships" xmlns:p="http://schemas.openxmlformats.org/presentationml/2006/main">
+  <p:cmAuthor id="1" name="正良 吴" initials="正良" lastIdx="1" clrIdx="0">
+    <p:extLst>
+      <p:ext uri="{19B8F6BF-5375-455C-9EA6-DF929625EA0E}">
+        <p15:presenceInfo xmlns:p15="http://schemas.microsoft.com/office/powerpoint/2012/main" userId="e2abfeea1c70a813" providerId="Windows Live"/>
+      </p:ext>
+    </p:extLst>
+  </p:cmAuthor>
+</p:cmAuthorLst>
+</file>
+
 <file path=ppt/handoutMasters/handoutMaster1.xml><?xml version="1.0" encoding="utf-8"?>
 <p:handoutMaster xmlns:a="http://schemas.openxmlformats.org/drawingml/2006/main" xmlns:r="http://schemas.openxmlformats.org/officeDocument/2006/relationships" xmlns:p="http://schemas.openxmlformats.org/presentationml/2006/main">
   <p:cSld>
@@ -229,7 +243,7 @@
                 <a:ea typeface="微软雅黑" panose="020B0503020204020204" pitchFamily="34" charset="-122"/>
               </a:rPr>
               <a:pPr algn="r" rtl="0"/>
-              <a:t>2020/9/21</a:t>
+              <a:t>2020/9/24</a:t>
             </a:fld>
             <a:endParaRPr lang="zh-CN" altLang="en-US" dirty="0">
               <a:latin typeface="微软雅黑" panose="020B0503020204020204" pitchFamily="34" charset="-122"/>
@@ -407,7 +421,7 @@
             <a:fld id="{C90B55CF-1AD3-47AF-86D6-6E83631F639F}" type="datetime1">
               <a:rPr lang="zh-CN" altLang="en-US" smtClean="0"/>
               <a:pPr/>
-              <a:t>2020/9/21</a:t>
+              <a:t>2020/9/24</a:t>
             </a:fld>
             <a:endParaRPr lang="zh-CN" altLang="en-US" dirty="0"/>
           </a:p>
@@ -682,6 +696,419 @@
 </p:notesMaster>
 </file>
 
+<file path=ppt/notesSlides/notesSlide1.xml><?xml version="1.0" encoding="utf-8"?>
+<p:notes xmlns:a="http://schemas.openxmlformats.org/drawingml/2006/main" xmlns:r="http://schemas.openxmlformats.org/officeDocument/2006/relationships" xmlns:p="http://schemas.openxmlformats.org/presentationml/2006/main">
+  <p:cSld>
+    <p:spTree>
+      <p:nvGrpSpPr>
+        <p:cNvPr id="1" name=""/>
+        <p:cNvGrpSpPr/>
+        <p:nvPr/>
+      </p:nvGrpSpPr>
+      <p:grpSpPr>
+        <a:xfrm>
+          <a:off x="0" y="0"/>
+          <a:ext cx="0" cy="0"/>
+          <a:chOff x="0" y="0"/>
+          <a:chExt cx="0" cy="0"/>
+        </a:xfrm>
+      </p:grpSpPr>
+      <p:sp>
+        <p:nvSpPr>
+          <p:cNvPr id="2" name="幻灯片图像占位符 1"/>
+          <p:cNvSpPr>
+            <a:spLocks noGrp="1" noRot="1" noChangeAspect="1"/>
+          </p:cNvSpPr>
+          <p:nvPr>
+            <p:ph type="sldImg"/>
+          </p:nvPr>
+        </p:nvSpPr>
+        <p:spPr/>
+      </p:sp>
+      <p:sp>
+        <p:nvSpPr>
+          <p:cNvPr id="3" name="备注占位符 2"/>
+          <p:cNvSpPr>
+            <a:spLocks noGrp="1"/>
+          </p:cNvSpPr>
+          <p:nvPr>
+            <p:ph type="body" idx="1"/>
+          </p:nvPr>
+        </p:nvSpPr>
+        <p:spPr/>
+        <p:txBody>
+          <a:bodyPr/>
+          <a:lstStyle/>
+          <a:p>
+            <a:endParaRPr lang="zh-CN" altLang="en-US" dirty="0"/>
+          </a:p>
+        </p:txBody>
+      </p:sp>
+      <p:sp>
+        <p:nvSpPr>
+          <p:cNvPr id="4" name="灯片编号占位符 3"/>
+          <p:cNvSpPr>
+            <a:spLocks noGrp="1"/>
+          </p:cNvSpPr>
+          <p:nvPr>
+            <p:ph type="sldNum" sz="quarter" idx="5"/>
+          </p:nvPr>
+        </p:nvSpPr>
+        <p:spPr/>
+        <p:txBody>
+          <a:bodyPr/>
+          <a:lstStyle/>
+          <a:p>
+            <a:fld id="{5EE2CF44-2B13-41B4-A334-1CDF534EEBBF}" type="slidenum">
+              <a:rPr lang="en-US" altLang="zh-CN" smtClean="0"/>
+              <a:pPr/>
+              <a:t>2</a:t>
+            </a:fld>
+            <a:endParaRPr lang="zh-CN" altLang="en-US" dirty="0"/>
+          </a:p>
+        </p:txBody>
+      </p:sp>
+    </p:spTree>
+    <p:extLst>
+      <p:ext uri="{BB962C8B-B14F-4D97-AF65-F5344CB8AC3E}">
+        <p14:creationId xmlns:p14="http://schemas.microsoft.com/office/powerpoint/2010/main" val="2755915625"/>
+      </p:ext>
+    </p:extLst>
+  </p:cSld>
+  <p:clrMapOvr>
+    <a:masterClrMapping/>
+  </p:clrMapOvr>
+</p:notes>
+</file>
+
+<file path=ppt/notesSlides/notesSlide2.xml><?xml version="1.0" encoding="utf-8"?>
+<p:notes xmlns:a="http://schemas.openxmlformats.org/drawingml/2006/main" xmlns:r="http://schemas.openxmlformats.org/officeDocument/2006/relationships" xmlns:p="http://schemas.openxmlformats.org/presentationml/2006/main">
+  <p:cSld>
+    <p:spTree>
+      <p:nvGrpSpPr>
+        <p:cNvPr id="1" name=""/>
+        <p:cNvGrpSpPr/>
+        <p:nvPr/>
+      </p:nvGrpSpPr>
+      <p:grpSpPr>
+        <a:xfrm>
+          <a:off x="0" y="0"/>
+          <a:ext cx="0" cy="0"/>
+          <a:chOff x="0" y="0"/>
+          <a:chExt cx="0" cy="0"/>
+        </a:xfrm>
+      </p:grpSpPr>
+      <p:sp>
+        <p:nvSpPr>
+          <p:cNvPr id="2" name="幻灯片图像占位符 1"/>
+          <p:cNvSpPr>
+            <a:spLocks noGrp="1" noRot="1" noChangeAspect="1"/>
+          </p:cNvSpPr>
+          <p:nvPr>
+            <p:ph type="sldImg"/>
+          </p:nvPr>
+        </p:nvSpPr>
+        <p:spPr/>
+      </p:sp>
+      <p:sp>
+        <p:nvSpPr>
+          <p:cNvPr id="3" name="备注占位符 2"/>
+          <p:cNvSpPr>
+            <a:spLocks noGrp="1"/>
+          </p:cNvSpPr>
+          <p:nvPr>
+            <p:ph type="body" idx="1"/>
+          </p:nvPr>
+        </p:nvSpPr>
+        <p:spPr/>
+        <p:txBody>
+          <a:bodyPr/>
+          <a:lstStyle/>
+          <a:p>
+            <a:endParaRPr lang="zh-CN" altLang="en-US" dirty="0"/>
+          </a:p>
+        </p:txBody>
+      </p:sp>
+      <p:sp>
+        <p:nvSpPr>
+          <p:cNvPr id="4" name="灯片编号占位符 3"/>
+          <p:cNvSpPr>
+            <a:spLocks noGrp="1"/>
+          </p:cNvSpPr>
+          <p:nvPr>
+            <p:ph type="sldNum" sz="quarter" idx="5"/>
+          </p:nvPr>
+        </p:nvSpPr>
+        <p:spPr/>
+        <p:txBody>
+          <a:bodyPr/>
+          <a:lstStyle/>
+          <a:p>
+            <a:fld id="{5EE2CF44-2B13-41B4-A334-1CDF534EEBBF}" type="slidenum">
+              <a:rPr lang="en-US" altLang="zh-CN" smtClean="0"/>
+              <a:pPr/>
+              <a:t>4</a:t>
+            </a:fld>
+            <a:endParaRPr lang="zh-CN" altLang="en-US" dirty="0"/>
+          </a:p>
+        </p:txBody>
+      </p:sp>
+    </p:spTree>
+    <p:extLst>
+      <p:ext uri="{BB962C8B-B14F-4D97-AF65-F5344CB8AC3E}">
+        <p14:creationId xmlns:p14="http://schemas.microsoft.com/office/powerpoint/2010/main" val="2638212898"/>
+      </p:ext>
+    </p:extLst>
+  </p:cSld>
+  <p:clrMapOvr>
+    <a:masterClrMapping/>
+  </p:clrMapOvr>
+</p:notes>
+</file>
+
+<file path=ppt/notesSlides/notesSlide3.xml><?xml version="1.0" encoding="utf-8"?>
+<p:notes xmlns:a="http://schemas.openxmlformats.org/drawingml/2006/main" xmlns:r="http://schemas.openxmlformats.org/officeDocument/2006/relationships" xmlns:p="http://schemas.openxmlformats.org/presentationml/2006/main">
+  <p:cSld>
+    <p:spTree>
+      <p:nvGrpSpPr>
+        <p:cNvPr id="1" name=""/>
+        <p:cNvGrpSpPr/>
+        <p:nvPr/>
+      </p:nvGrpSpPr>
+      <p:grpSpPr>
+        <a:xfrm>
+          <a:off x="0" y="0"/>
+          <a:ext cx="0" cy="0"/>
+          <a:chOff x="0" y="0"/>
+          <a:chExt cx="0" cy="0"/>
+        </a:xfrm>
+      </p:grpSpPr>
+      <p:sp>
+        <p:nvSpPr>
+          <p:cNvPr id="2" name="幻灯片图像占位符 1"/>
+          <p:cNvSpPr>
+            <a:spLocks noGrp="1" noRot="1" noChangeAspect="1"/>
+          </p:cNvSpPr>
+          <p:nvPr>
+            <p:ph type="sldImg"/>
+          </p:nvPr>
+        </p:nvSpPr>
+        <p:spPr/>
+      </p:sp>
+      <p:sp>
+        <p:nvSpPr>
+          <p:cNvPr id="3" name="备注占位符 2"/>
+          <p:cNvSpPr>
+            <a:spLocks noGrp="1"/>
+          </p:cNvSpPr>
+          <p:nvPr>
+            <p:ph type="body" idx="1"/>
+          </p:nvPr>
+        </p:nvSpPr>
+        <p:spPr/>
+        <p:txBody>
+          <a:bodyPr/>
+          <a:lstStyle/>
+          <a:p>
+            <a:pPr algn="l"/>
+            <a:r>
+              <a:rPr lang="zh-CN" altLang="en-US" b="0" i="0" dirty="0">
+                <a:solidFill>
+                  <a:srgbClr val="2C3E50"/>
+                </a:solidFill>
+                <a:effectLst/>
+                <a:latin typeface="-apple-system"/>
+              </a:rPr>
+              <a:t>在处理指令的跳转时，我们对「是否跳转」以及「跳转目标」的判断大多都是在 </a:t>
+            </a:r>
+            <a:r>
+              <a:rPr lang="en-US" altLang="zh-CN" b="0" i="0" dirty="0">
+                <a:solidFill>
+                  <a:srgbClr val="2C3E50"/>
+                </a:solidFill>
+                <a:effectLst/>
+                <a:latin typeface="-apple-system"/>
+              </a:rPr>
+              <a:t>EX </a:t>
+            </a:r>
+            <a:r>
+              <a:rPr lang="zh-CN" altLang="en-US" b="0" i="0" dirty="0">
+                <a:solidFill>
+                  <a:srgbClr val="2C3E50"/>
+                </a:solidFill>
+                <a:effectLst/>
+                <a:latin typeface="-apple-system"/>
+              </a:rPr>
+              <a:t>阶段进行的：</a:t>
+            </a:r>
+          </a:p>
+          <a:p>
+            <a:pPr algn="l">
+              <a:buFont typeface="Arial" panose="020B0604020202020204" pitchFamily="34" charset="0"/>
+              <a:buChar char="•"/>
+            </a:pPr>
+            <a:r>
+              <a:rPr lang="zh-CN" altLang="en-US" b="0" i="0" dirty="0">
+                <a:solidFill>
+                  <a:srgbClr val="2C3E50"/>
+                </a:solidFill>
+                <a:effectLst/>
+                <a:latin typeface="-apple-system"/>
+              </a:rPr>
+              <a:t>计算跳转目标地址</a:t>
+            </a:r>
+          </a:p>
+          <a:p>
+            <a:pPr algn="l">
+              <a:buFont typeface="Arial" panose="020B0604020202020204" pitchFamily="34" charset="0"/>
+              <a:buChar char="•"/>
+            </a:pPr>
+            <a:r>
+              <a:rPr lang="zh-CN" altLang="en-US" b="0" i="0" dirty="0">
+                <a:solidFill>
+                  <a:srgbClr val="2C3E50"/>
+                </a:solidFill>
+                <a:effectLst/>
+                <a:latin typeface="-apple-system"/>
+              </a:rPr>
+              <a:t>比较源寄存器的大小关系以及计算 </a:t>
+            </a:r>
+            <a:r>
+              <a:rPr lang="en-US" altLang="zh-CN" b="0" i="0" dirty="0">
+                <a:solidFill>
+                  <a:srgbClr val="2C3E50"/>
+                </a:solidFill>
+                <a:effectLst/>
+                <a:latin typeface="-apple-system"/>
+              </a:rPr>
+              <a:t>Zero </a:t>
+            </a:r>
+            <a:r>
+              <a:rPr lang="zh-CN" altLang="en-US" b="0" i="0" dirty="0">
+                <a:solidFill>
+                  <a:srgbClr val="2C3E50"/>
+                </a:solidFill>
+                <a:effectLst/>
+                <a:latin typeface="-apple-system"/>
+              </a:rPr>
+              <a:t>控制信号</a:t>
+            </a:r>
+          </a:p>
+          <a:p>
+            <a:pPr algn="l"/>
+            <a:r>
+              <a:rPr lang="zh-CN" altLang="en-US" b="0" i="0" dirty="0">
+                <a:solidFill>
+                  <a:srgbClr val="2C3E50"/>
+                </a:solidFill>
+                <a:effectLst/>
+                <a:latin typeface="-apple-system"/>
+              </a:rPr>
+              <a:t>因此对跳转的判断大多情况下都需要在 </a:t>
+            </a:r>
+            <a:r>
+              <a:rPr lang="en-US" altLang="zh-CN" b="0" i="0" dirty="0">
+                <a:solidFill>
+                  <a:srgbClr val="2C3E50"/>
+                </a:solidFill>
+                <a:effectLst/>
+                <a:latin typeface="-apple-system"/>
+              </a:rPr>
+              <a:t>EX </a:t>
+            </a:r>
+            <a:r>
+              <a:rPr lang="zh-CN" altLang="en-US" b="0" i="0" dirty="0">
+                <a:solidFill>
+                  <a:srgbClr val="2C3E50"/>
+                </a:solidFill>
+                <a:effectLst/>
+                <a:latin typeface="-apple-system"/>
+              </a:rPr>
+              <a:t>阶段才能得出结果。但是，我们在流水线 </a:t>
+            </a:r>
+            <a:r>
+              <a:rPr lang="en-US" altLang="zh-CN" b="0" i="0" dirty="0">
+                <a:solidFill>
+                  <a:srgbClr val="2C3E50"/>
+                </a:solidFill>
+                <a:effectLst/>
+                <a:latin typeface="-apple-system"/>
+              </a:rPr>
+              <a:t>CPU </a:t>
+            </a:r>
+            <a:r>
+              <a:rPr lang="zh-CN" altLang="en-US" b="0" i="0" dirty="0">
+                <a:solidFill>
+                  <a:srgbClr val="2C3E50"/>
+                </a:solidFill>
+                <a:effectLst/>
+                <a:latin typeface="-apple-system"/>
+              </a:rPr>
+              <a:t>中需要知道下一条指令取哪一条，这样流水线才能顺利的顺序执行。这种情况下，我们就会遇到 </a:t>
+            </a:r>
+            <a:r>
+              <a:rPr lang="en-US" altLang="zh-CN" b="0" i="0" dirty="0">
+                <a:solidFill>
+                  <a:srgbClr val="2C3E50"/>
+                </a:solidFill>
+                <a:effectLst/>
+                <a:latin typeface="-apple-system"/>
+              </a:rPr>
+              <a:t>Control Hazard </a:t>
+            </a:r>
+            <a:r>
+              <a:rPr lang="zh-CN" altLang="en-US" b="0" i="0" dirty="0">
+                <a:solidFill>
+                  <a:srgbClr val="2C3E50"/>
+                </a:solidFill>
+                <a:effectLst/>
+                <a:latin typeface="-apple-system"/>
+              </a:rPr>
+              <a:t>的问题。</a:t>
+            </a:r>
+          </a:p>
+          <a:p>
+            <a:endParaRPr lang="zh-CN" altLang="en-US" dirty="0"/>
+          </a:p>
+        </p:txBody>
+      </p:sp>
+      <p:sp>
+        <p:nvSpPr>
+          <p:cNvPr id="4" name="灯片编号占位符 3"/>
+          <p:cNvSpPr>
+            <a:spLocks noGrp="1"/>
+          </p:cNvSpPr>
+          <p:nvPr>
+            <p:ph type="sldNum" sz="quarter" idx="5"/>
+          </p:nvPr>
+        </p:nvSpPr>
+        <p:spPr/>
+        <p:txBody>
+          <a:bodyPr/>
+          <a:lstStyle/>
+          <a:p>
+            <a:fld id="{5EE2CF44-2B13-41B4-A334-1CDF534EEBBF}" type="slidenum">
+              <a:rPr lang="en-US" altLang="zh-CN" smtClean="0"/>
+              <a:pPr/>
+              <a:t>6</a:t>
+            </a:fld>
+            <a:endParaRPr lang="zh-CN" altLang="en-US" dirty="0"/>
+          </a:p>
+        </p:txBody>
+      </p:sp>
+    </p:spTree>
+    <p:extLst>
+      <p:ext uri="{BB962C8B-B14F-4D97-AF65-F5344CB8AC3E}">
+        <p14:creationId xmlns:p14="http://schemas.microsoft.com/office/powerpoint/2010/main" val="3709959726"/>
+      </p:ext>
+    </p:extLst>
+  </p:cSld>
+  <p:clrMapOvr>
+    <a:masterClrMapping/>
+  </p:clrMapOvr>
+</p:notes>
+</file>
+
 <file path=ppt/slideLayouts/slideLayout1.xml><?xml version="1.0" encoding="utf-8"?>
 <p:sldLayout xmlns:a="http://schemas.openxmlformats.org/drawingml/2006/main" xmlns:r="http://schemas.openxmlformats.org/officeDocument/2006/relationships" xmlns:p="http://schemas.openxmlformats.org/presentationml/2006/main" type="title" preserve="1">
   <p:cSld name="标题幻灯片">
@@ -1064,7 +1491,7 @@
             <a:fld id="{4385F9EB-0B67-4E5D-ABB4-A1ED5DDCD960}" type="datetime1">
               <a:rPr lang="zh-CN" altLang="en-US" smtClean="0"/>
               <a:pPr/>
-              <a:t>2020/9/21</a:t>
+              <a:t>2020/9/24</a:t>
             </a:fld>
             <a:endParaRPr lang="en-US" dirty="0"/>
           </a:p>
@@ -1252,7 +1679,7 @@
             <a:fld id="{CB93C0C8-F4D6-4152-97F1-BFA359CDCADC}" type="datetime1">
               <a:rPr lang="zh-CN" altLang="en-US" smtClean="0"/>
               <a:pPr/>
-              <a:t>2020/9/21</a:t>
+              <a:t>2020/9/24</a:t>
             </a:fld>
             <a:endParaRPr lang="en-US" dirty="0"/>
           </a:p>
@@ -1471,7 +1898,7 @@
             <a:fld id="{915EE253-6246-4F3E-9DFF-50962FEF5B4D}" type="datetime1">
               <a:rPr lang="zh-CN" altLang="en-US" smtClean="0"/>
               <a:pPr/>
-              <a:t>2020/9/21</a:t>
+              <a:t>2020/9/24</a:t>
             </a:fld>
             <a:endParaRPr lang="zh-CN" altLang="en-US" dirty="0"/>
           </a:p>
@@ -1928,7 +2355,7 @@
             <a:fld id="{DCBAF348-2B6B-4087-832D-430EBF0058EA}" type="datetime1">
               <a:rPr lang="zh-CN" altLang="en-US" smtClean="0"/>
               <a:pPr/>
-              <a:t>2020/9/21</a:t>
+              <a:t>2020/9/24</a:t>
             </a:fld>
             <a:endParaRPr lang="zh-CN" altLang="en-US" dirty="0"/>
           </a:p>
@@ -2424,7 +2851,7 @@
             <a:fld id="{40C5CB09-2A8F-49B0-BF09-DF29E5A58BC3}" type="datetime1">
               <a:rPr lang="zh-CN" altLang="en-US" smtClean="0"/>
               <a:pPr/>
-              <a:t>2020/9/21</a:t>
+              <a:t>2020/9/24</a:t>
             </a:fld>
             <a:r>
               <a:rPr lang="en-US" dirty="0"/>
@@ -2566,7 +2993,7 @@
             <a:fld id="{44E388C4-8DF4-4B6C-8CA7-8C6DAB185AB3}" type="datetime1">
               <a:rPr lang="zh-CN" altLang="en-US" smtClean="0"/>
               <a:pPr/>
-              <a:t>2020/9/21</a:t>
+              <a:t>2020/9/24</a:t>
             </a:fld>
             <a:endParaRPr lang="en-US" dirty="0"/>
           </a:p>
@@ -2668,7 +3095,7 @@
             <a:fld id="{E62A07F3-1D45-48EC-9D47-29A0A5918F2C}" type="datetime1">
               <a:rPr lang="zh-CN" altLang="en-US" smtClean="0"/>
               <a:pPr/>
-              <a:t>2020/9/21</a:t>
+              <a:t>2020/9/24</a:t>
             </a:fld>
             <a:endParaRPr lang="en-US" dirty="0"/>
           </a:p>
@@ -2960,7 +3387,7 @@
             <a:fld id="{BE69D157-EE52-4810-8D9E-BA1E04C6E59A}" type="datetime1">
               <a:rPr lang="zh-CN" altLang="en-US" smtClean="0"/>
               <a:pPr/>
-              <a:t>2020/9/21</a:t>
+              <a:t>2020/9/24</a:t>
             </a:fld>
             <a:endParaRPr lang="en-US" dirty="0"/>
           </a:p>
@@ -3282,7 +3709,7 @@
             <a:fld id="{D2AAA618-E7BD-4A95-B6B7-82E26C40DBBA}" type="datetime1">
               <a:rPr lang="zh-CN" altLang="en-US" smtClean="0"/>
               <a:pPr/>
-              <a:t>2020/9/21</a:t>
+              <a:t>2020/9/24</a:t>
             </a:fld>
             <a:endParaRPr lang="en-US" dirty="0"/>
           </a:p>
@@ -3499,7 +3926,7 @@
             <a:fld id="{3162C21B-7446-4450-8488-5C06B94AC818}" type="datetime1">
               <a:rPr lang="zh-CN" altLang="en-US" smtClean="0"/>
               <a:pPr/>
-              <a:t>2020/9/21</a:t>
+              <a:t>2020/9/24</a:t>
             </a:fld>
             <a:endParaRPr lang="zh-CN" altLang="en-US" dirty="0"/>
           </a:p>
@@ -4086,6 +4513,166 @@
           <a:lstStyle/>
           <a:p>
             <a:pPr rtl="0"/>
+            <a:r>
+              <a:rPr lang="zh-CN" altLang="en-US" dirty="0"/>
+              <a:t>外设接口设计</a:t>
+            </a:r>
+            <a:endParaRPr dirty="0"/>
+          </a:p>
+        </p:txBody>
+      </p:sp>
+      <p:sp>
+        <p:nvSpPr>
+          <p:cNvPr id="3" name="文本占位符 2"/>
+          <p:cNvSpPr>
+            <a:spLocks noGrp="1"/>
+          </p:cNvSpPr>
+          <p:nvPr>
+            <p:ph type="body" idx="1"/>
+          </p:nvPr>
+        </p:nvSpPr>
+        <p:spPr/>
+        <p:txBody>
+          <a:bodyPr rtlCol="0"/>
+          <a:lstStyle/>
+          <a:p>
+            <a:pPr rtl="0"/>
+            <a:endParaRPr/>
+          </a:p>
+        </p:txBody>
+      </p:sp>
+    </p:spTree>
+    <p:extLst>
+      <p:ext uri="{BB962C8B-B14F-4D97-AF65-F5344CB8AC3E}">
+        <p14:creationId xmlns:p14="http://schemas.microsoft.com/office/powerpoint/2010/main" val="3444435236"/>
+      </p:ext>
+    </p:extLst>
+  </p:cSld>
+  <p:clrMapOvr>
+    <a:masterClrMapping/>
+  </p:clrMapOvr>
+</p:sld>
+</file>
+
+<file path=ppt/slides/slide11.xml><?xml version="1.0" encoding="utf-8"?>
+<p:sld xmlns:a="http://schemas.openxmlformats.org/drawingml/2006/main" xmlns:r="http://schemas.openxmlformats.org/officeDocument/2006/relationships" xmlns:p="http://schemas.openxmlformats.org/presentationml/2006/main">
+  <p:cSld>
+    <p:spTree>
+      <p:nvGrpSpPr>
+        <p:cNvPr id="1" name=""/>
+        <p:cNvGrpSpPr/>
+        <p:nvPr/>
+      </p:nvGrpSpPr>
+      <p:grpSpPr>
+        <a:xfrm>
+          <a:off x="0" y="0"/>
+          <a:ext cx="0" cy="0"/>
+          <a:chOff x="0" y="0"/>
+          <a:chExt cx="0" cy="0"/>
+        </a:xfrm>
+      </p:grpSpPr>
+      <p:sp>
+        <p:nvSpPr>
+          <p:cNvPr id="2" name="标题 1"/>
+          <p:cNvSpPr>
+            <a:spLocks noGrp="1"/>
+          </p:cNvSpPr>
+          <p:nvPr>
+            <p:ph type="title"/>
+          </p:nvPr>
+        </p:nvSpPr>
+        <p:spPr/>
+        <p:txBody>
+          <a:bodyPr rtlCol="0"/>
+          <a:lstStyle/>
+          <a:p>
+            <a:pPr rtl="0"/>
+            <a:r>
+              <a:rPr lang="en-US" altLang="zh-CN" dirty="0"/>
+              <a:t>CPU+</a:t>
+            </a:r>
+            <a:r>
+              <a:rPr lang="zh-CN" altLang="en-US" dirty="0"/>
+              <a:t>总线</a:t>
+            </a:r>
+            <a:r>
+              <a:rPr lang="en-US" altLang="zh-CN" dirty="0"/>
+              <a:t>+</a:t>
+            </a:r>
+            <a:r>
+              <a:rPr lang="zh-CN" altLang="en-US" dirty="0"/>
+              <a:t>外设</a:t>
+            </a:r>
+            <a:endParaRPr dirty="0"/>
+          </a:p>
+        </p:txBody>
+      </p:sp>
+      <p:sp>
+        <p:nvSpPr>
+          <p:cNvPr id="3" name="文本占位符 2"/>
+          <p:cNvSpPr>
+            <a:spLocks noGrp="1"/>
+          </p:cNvSpPr>
+          <p:nvPr>
+            <p:ph type="body" idx="1"/>
+          </p:nvPr>
+        </p:nvSpPr>
+        <p:spPr/>
+        <p:txBody>
+          <a:bodyPr rtlCol="0"/>
+          <a:lstStyle/>
+          <a:p>
+            <a:pPr rtl="0"/>
+            <a:endParaRPr/>
+          </a:p>
+        </p:txBody>
+      </p:sp>
+    </p:spTree>
+    <p:extLst>
+      <p:ext uri="{BB962C8B-B14F-4D97-AF65-F5344CB8AC3E}">
+        <p14:creationId xmlns:p14="http://schemas.microsoft.com/office/powerpoint/2010/main" val="2163219968"/>
+      </p:ext>
+    </p:extLst>
+  </p:cSld>
+  <p:clrMapOvr>
+    <a:masterClrMapping/>
+  </p:clrMapOvr>
+</p:sld>
+</file>
+
+<file path=ppt/slides/slide12.xml><?xml version="1.0" encoding="utf-8"?>
+<p:sld xmlns:a="http://schemas.openxmlformats.org/drawingml/2006/main" xmlns:r="http://schemas.openxmlformats.org/officeDocument/2006/relationships" xmlns:p="http://schemas.openxmlformats.org/presentationml/2006/main">
+  <p:cSld>
+    <p:spTree>
+      <p:nvGrpSpPr>
+        <p:cNvPr id="1" name=""/>
+        <p:cNvGrpSpPr/>
+        <p:nvPr/>
+      </p:nvGrpSpPr>
+      <p:grpSpPr>
+        <a:xfrm>
+          <a:off x="0" y="0"/>
+          <a:ext cx="0" cy="0"/>
+          <a:chOff x="0" y="0"/>
+          <a:chExt cx="0" cy="0"/>
+        </a:xfrm>
+      </p:grpSpPr>
+      <p:sp>
+        <p:nvSpPr>
+          <p:cNvPr id="2" name="标题 1"/>
+          <p:cNvSpPr>
+            <a:spLocks noGrp="1"/>
+          </p:cNvSpPr>
+          <p:nvPr>
+            <p:ph type="title"/>
+          </p:nvPr>
+        </p:nvSpPr>
+        <p:spPr/>
+        <p:txBody>
+          <a:bodyPr rtlCol="0"/>
+          <a:lstStyle/>
+          <a:p>
+            <a:pPr rtl="0"/>
             <a:endParaRPr/>
           </a:p>
         </p:txBody>
@@ -4208,7 +4795,9 @@
           </a:xfrm>
         </p:spPr>
         <p:txBody>
-          <a:bodyPr rtlCol="0"/>
+          <a:bodyPr rtlCol="0">
+            <a:normAutofit fontScale="92500" lnSpcReduction="10000"/>
+          </a:bodyPr>
           <a:lstStyle/>
           <a:p>
             <a:pPr rtl="0"/>
@@ -4511,6 +5100,34 @@
             <a:r>
               <a:rPr lang="zh-CN" altLang="en-US" dirty="0"/>
               <a:t>总线</a:t>
+            </a:r>
+            <a:endParaRPr lang="en-US" altLang="zh-CN" dirty="0"/>
+          </a:p>
+          <a:p>
+            <a:pPr lvl="1"/>
+            <a:r>
+              <a:rPr lang="en-US" altLang="zh-CN" dirty="0" err="1"/>
+              <a:t>xxxx</a:t>
+            </a:r>
+            <a:endParaRPr lang="en-US" altLang="zh-CN" dirty="0"/>
+          </a:p>
+          <a:p>
+            <a:endParaRPr lang="en-US" altLang="zh-CN" dirty="0"/>
+          </a:p>
+          <a:p>
+            <a:r>
+              <a:rPr lang="zh-CN" altLang="en-US" dirty="0"/>
+              <a:t>将以上三者结合起来形成了有效的</a:t>
+            </a:r>
+            <a:endParaRPr lang="en-US" altLang="zh-CN" dirty="0"/>
+          </a:p>
+          <a:p>
+            <a:pPr marL="0" indent="0">
+              <a:buNone/>
+            </a:pPr>
+            <a:r>
+              <a:rPr lang="zh-CN" altLang="en-US" dirty="0"/>
+              <a:t>系统</a:t>
             </a:r>
             <a:endParaRPr lang="en-US" altLang="zh-CN" dirty="0"/>
           </a:p>
@@ -4537,7 +5154,7 @@
           <p:nvPr>
             <p:extLst>
               <p:ext uri="{D42A27DB-BD31-4B8C-83A1-F6EECF244321}">
-                <p14:modId xmlns:p14="http://schemas.microsoft.com/office/powerpoint/2010/main" val="1340761193"/>
+                <p14:modId xmlns:p14="http://schemas.microsoft.com/office/powerpoint/2010/main" val="126330295"/>
               </p:ext>
             </p:extLst>
           </p:nvPr>
@@ -4790,6 +5407,10 @@
                     <a:bodyPr/>
                     <a:lstStyle/>
                     <a:p>
+                      <a:r>
+                        <a:rPr lang="en-US" altLang="zh-CN" dirty="0"/>
+                        <a:t>14</a:t>
+                      </a:r>
                       <a:endParaRPr lang="zh-CN" altLang="en-US" dirty="0"/>
                     </a:p>
                   </a:txBody>
@@ -4879,56 +5500,44 @@
             <p:ph type="title"/>
           </p:nvPr>
         </p:nvSpPr>
-        <p:spPr>
-          <a:xfrm>
-            <a:off x="3933" y="15033"/>
-            <a:ext cx="9144000" cy="746967"/>
-          </a:xfrm>
-        </p:spPr>
+        <p:spPr/>
         <p:txBody>
           <a:bodyPr rtlCol="0"/>
           <a:lstStyle/>
           <a:p>
             <a:pPr rtl="0"/>
             <a:r>
-              <a:rPr lang="en-US" altLang="zh-CN" dirty="0"/>
-              <a:t>CPU</a:t>
-            </a:r>
-            <a:r>
-              <a:rPr lang="zh-CN" altLang="en-US" dirty="0"/>
-              <a:t>数据通路图</a:t>
-            </a:r>
-            <a:endParaRPr lang="zh-CN" altLang="en-US" dirty="0">
-              <a:latin typeface="微软雅黑" panose="020B0503020204020204" pitchFamily="34" charset="-122"/>
-              <a:ea typeface="微软雅黑" panose="020B0503020204020204" pitchFamily="34" charset="-122"/>
-            </a:endParaRPr>
-          </a:p>
-        </p:txBody>
-      </p:sp>
-      <p:sp>
-        <p:nvSpPr>
-          <p:cNvPr id="14" name="内容占位符 13"/>
-          <p:cNvSpPr>
-            <a:spLocks noGrp="1"/>
-          </p:cNvSpPr>
-          <p:nvPr>
-            <p:ph idx="1"/>
-          </p:nvPr>
-        </p:nvSpPr>
-        <p:spPr>
-          <a:xfrm>
-            <a:off x="407368" y="836712"/>
-            <a:ext cx="9900592" cy="5688632"/>
-          </a:xfrm>
-        </p:spPr>
-        <p:txBody>
-          <a:bodyPr rtlCol="0"/>
+              <a:rPr lang="zh-CN" altLang="en-US" dirty="0">
+                <a:latin typeface="微软雅黑" panose="020B0503020204020204" pitchFamily="34" charset="-122"/>
+                <a:ea typeface="微软雅黑" panose="020B0503020204020204" pitchFamily="34" charset="-122"/>
+              </a:rPr>
+              <a:t>微处理器设计</a:t>
+            </a:r>
+          </a:p>
+        </p:txBody>
+      </p:sp>
+      <p:sp>
+        <p:nvSpPr>
+          <p:cNvPr id="2" name="文本占位符 1">
+            <a:extLst>
+              <a:ext uri="{FF2B5EF4-FFF2-40B4-BE49-F238E27FC236}">
+                <a16:creationId xmlns:a16="http://schemas.microsoft.com/office/drawing/2014/main" id="{64CDDEB9-D098-4FA9-83D9-3D5C968BA988}"/>
+              </a:ext>
+            </a:extLst>
+          </p:cNvPr>
+          <p:cNvSpPr>
+            <a:spLocks noGrp="1"/>
+          </p:cNvSpPr>
+          <p:nvPr>
+            <p:ph type="body" idx="1"/>
+          </p:nvPr>
+        </p:nvSpPr>
+        <p:spPr/>
+        <p:txBody>
+          <a:bodyPr/>
           <a:lstStyle/>
           <a:p>
-            <a:endParaRPr lang="zh-CN" altLang="en-US" dirty="0">
-              <a:latin typeface="微软雅黑" panose="020B0503020204020204" pitchFamily="34" charset="-122"/>
-              <a:ea typeface="微软雅黑" panose="020B0503020204020204" pitchFamily="34" charset="-122"/>
-            </a:endParaRPr>
+            <a:endParaRPr lang="zh-CN" altLang="en-US" dirty="0"/>
           </a:p>
         </p:txBody>
       </p:sp>
@@ -4984,35 +5593,13 @@
           <a:p>
             <a:pPr rtl="0"/>
             <a:r>
-              <a:rPr lang="zh-CN" altLang="en-US" dirty="0">
-                <a:latin typeface="微软雅黑" panose="020B0503020204020204" pitchFamily="34" charset="-122"/>
-                <a:ea typeface="微软雅黑" panose="020B0503020204020204" pitchFamily="34" charset="-122"/>
-              </a:rPr>
-              <a:t>关键控制信号及其含义</a:t>
-            </a:r>
-          </a:p>
-        </p:txBody>
-      </p:sp>
-      <p:sp>
-        <p:nvSpPr>
-          <p:cNvPr id="14" name="内容占位符 13"/>
-          <p:cNvSpPr>
-            <a:spLocks noGrp="1"/>
-          </p:cNvSpPr>
-          <p:nvPr>
-            <p:ph idx="1"/>
-          </p:nvPr>
-        </p:nvSpPr>
-        <p:spPr>
-          <a:xfrm>
-            <a:off x="407368" y="836712"/>
-            <a:ext cx="9900592" cy="5688632"/>
-          </a:xfrm>
-        </p:spPr>
-        <p:txBody>
-          <a:bodyPr rtlCol="0"/>
-          <a:lstStyle/>
-          <a:p>
+              <a:rPr lang="en-US" altLang="zh-CN" dirty="0"/>
+              <a:t>CPU</a:t>
+            </a:r>
+            <a:r>
+              <a:rPr lang="zh-CN" altLang="en-US" dirty="0"/>
+              <a:t>数据通路图</a:t>
+            </a:r>
             <a:endParaRPr lang="zh-CN" altLang="en-US" dirty="0">
               <a:latin typeface="微软雅黑" panose="020B0503020204020204" pitchFamily="34" charset="-122"/>
               <a:ea typeface="微软雅黑" panose="020B0503020204020204" pitchFamily="34" charset="-122"/>
@@ -5020,10 +5607,196 @@
           </a:p>
         </p:txBody>
       </p:sp>
+      <p:sp>
+        <p:nvSpPr>
+          <p:cNvPr id="7" name="文本框 6">
+            <a:extLst>
+              <a:ext uri="{FF2B5EF4-FFF2-40B4-BE49-F238E27FC236}">
+                <a16:creationId xmlns:a16="http://schemas.microsoft.com/office/drawing/2014/main" id="{3EDD6CBF-5AFC-42D8-B49A-3E2AE755842E}"/>
+              </a:ext>
+            </a:extLst>
+          </p:cNvPr>
+          <p:cNvSpPr txBox="1"/>
+          <p:nvPr/>
+        </p:nvSpPr>
+        <p:spPr>
+          <a:xfrm>
+            <a:off x="329902" y="1340768"/>
+            <a:ext cx="2597746" cy="4154984"/>
+          </a:xfrm>
+          <a:prstGeom prst="rect">
+            <a:avLst/>
+          </a:prstGeom>
+          <a:noFill/>
+        </p:spPr>
+        <p:txBody>
+          <a:bodyPr wrap="square">
+            <a:spAutoFit/>
+          </a:bodyPr>
+          <a:lstStyle/>
+          <a:p>
+            <a:r>
+              <a:rPr lang="zh-CN" altLang="en-US" sz="2400" dirty="0">
+                <a:solidFill>
+                  <a:srgbClr val="00B050"/>
+                </a:solidFill>
+                <a:latin typeface="宋体" panose="02010600030101010101" pitchFamily="2" charset="-122"/>
+                <a:ea typeface="宋体" panose="02010600030101010101" pitchFamily="2" charset="-122"/>
+              </a:rPr>
+              <a:t>绿线：流水线暂停相关</a:t>
+            </a:r>
+            <a:endParaRPr lang="en-US" altLang="zh-CN" sz="2400" dirty="0">
+              <a:solidFill>
+                <a:srgbClr val="00B050"/>
+              </a:solidFill>
+              <a:latin typeface="宋体" panose="02010600030101010101" pitchFamily="2" charset="-122"/>
+              <a:ea typeface="宋体" panose="02010600030101010101" pitchFamily="2" charset="-122"/>
+            </a:endParaRPr>
+          </a:p>
+          <a:p>
+            <a:r>
+              <a:rPr lang="zh-CN" altLang="en-US" sz="2400" dirty="0">
+                <a:solidFill>
+                  <a:srgbClr val="00B050"/>
+                </a:solidFill>
+                <a:latin typeface="宋体" panose="02010600030101010101" pitchFamily="2" charset="-122"/>
+                <a:ea typeface="宋体" panose="02010600030101010101" pitchFamily="2" charset="-122"/>
+              </a:rPr>
+              <a:t>通路</a:t>
+            </a:r>
+            <a:endParaRPr lang="en-US" altLang="zh-CN" sz="2400" dirty="0">
+              <a:solidFill>
+                <a:srgbClr val="00B050"/>
+              </a:solidFill>
+              <a:latin typeface="宋体" panose="02010600030101010101" pitchFamily="2" charset="-122"/>
+              <a:ea typeface="宋体" panose="02010600030101010101" pitchFamily="2" charset="-122"/>
+            </a:endParaRPr>
+          </a:p>
+          <a:p>
+            <a:endParaRPr lang="en-US" altLang="zh-CN" sz="2400" dirty="0">
+              <a:latin typeface="宋体" panose="02010600030101010101" pitchFamily="2" charset="-122"/>
+              <a:ea typeface="宋体" panose="02010600030101010101" pitchFamily="2" charset="-122"/>
+            </a:endParaRPr>
+          </a:p>
+          <a:p>
+            <a:r>
+              <a:rPr lang="zh-CN" altLang="en-US" sz="2400" dirty="0">
+                <a:solidFill>
+                  <a:srgbClr val="0070C0"/>
+                </a:solidFill>
+                <a:latin typeface="宋体" panose="02010600030101010101" pitchFamily="2" charset="-122"/>
+                <a:ea typeface="宋体" panose="02010600030101010101" pitchFamily="2" charset="-122"/>
+              </a:rPr>
+              <a:t>蓝线：数据相关的前递</a:t>
+            </a:r>
+            <a:endParaRPr lang="en-US" altLang="zh-CN" sz="2400" dirty="0">
+              <a:solidFill>
+                <a:srgbClr val="0070C0"/>
+              </a:solidFill>
+              <a:latin typeface="宋体" panose="02010600030101010101" pitchFamily="2" charset="-122"/>
+              <a:ea typeface="宋体" panose="02010600030101010101" pitchFamily="2" charset="-122"/>
+            </a:endParaRPr>
+          </a:p>
+          <a:p>
+            <a:r>
+              <a:rPr lang="zh-CN" altLang="en-US" sz="2400" dirty="0">
+                <a:solidFill>
+                  <a:srgbClr val="0070C0"/>
+                </a:solidFill>
+                <a:latin typeface="宋体" panose="02010600030101010101" pitchFamily="2" charset="-122"/>
+                <a:ea typeface="宋体" panose="02010600030101010101" pitchFamily="2" charset="-122"/>
+              </a:rPr>
+              <a:t>通路</a:t>
+            </a:r>
+            <a:endParaRPr lang="en-US" altLang="zh-CN" sz="2400" dirty="0">
+              <a:solidFill>
+                <a:srgbClr val="0070C0"/>
+              </a:solidFill>
+              <a:latin typeface="宋体" panose="02010600030101010101" pitchFamily="2" charset="-122"/>
+              <a:ea typeface="宋体" panose="02010600030101010101" pitchFamily="2" charset="-122"/>
+            </a:endParaRPr>
+          </a:p>
+          <a:p>
+            <a:endParaRPr lang="en-US" altLang="zh-CN" sz="2400" dirty="0">
+              <a:latin typeface="宋体" panose="02010600030101010101" pitchFamily="2" charset="-122"/>
+              <a:ea typeface="宋体" panose="02010600030101010101" pitchFamily="2" charset="-122"/>
+            </a:endParaRPr>
+          </a:p>
+          <a:p>
+            <a:r>
+              <a:rPr lang="zh-CN" altLang="en-US" sz="2400" dirty="0">
+                <a:solidFill>
+                  <a:srgbClr val="FF0000"/>
+                </a:solidFill>
+                <a:latin typeface="宋体" panose="02010600030101010101" pitchFamily="2" charset="-122"/>
+                <a:ea typeface="宋体" panose="02010600030101010101" pitchFamily="2" charset="-122"/>
+              </a:rPr>
+              <a:t>红线：分支预测及</a:t>
+            </a:r>
+            <a:r>
+              <a:rPr lang="en-US" altLang="zh-CN" sz="2400" dirty="0">
+                <a:solidFill>
+                  <a:srgbClr val="FF0000"/>
+                </a:solidFill>
+                <a:latin typeface="宋体" panose="02010600030101010101" pitchFamily="2" charset="-122"/>
+                <a:ea typeface="宋体" panose="02010600030101010101" pitchFamily="2" charset="-122"/>
+              </a:rPr>
+              <a:t>flush</a:t>
+            </a:r>
+          </a:p>
+          <a:p>
+            <a:r>
+              <a:rPr lang="zh-CN" altLang="en-US" sz="2400" dirty="0">
+                <a:solidFill>
+                  <a:srgbClr val="FF0000"/>
+                </a:solidFill>
+                <a:latin typeface="宋体" panose="02010600030101010101" pitchFamily="2" charset="-122"/>
+                <a:ea typeface="宋体" panose="02010600030101010101" pitchFamily="2" charset="-122"/>
+              </a:rPr>
+              <a:t>通路</a:t>
+            </a:r>
+          </a:p>
+        </p:txBody>
+      </p:sp>
+      <p:pic>
+        <p:nvPicPr>
+          <p:cNvPr id="9" name="内容占位符 8">
+            <a:extLst>
+              <a:ext uri="{FF2B5EF4-FFF2-40B4-BE49-F238E27FC236}">
+                <a16:creationId xmlns:a16="http://schemas.microsoft.com/office/drawing/2014/main" id="{1AE34D2E-FC03-4ED3-8E8F-60D270AC9230}"/>
+              </a:ext>
+            </a:extLst>
+          </p:cNvPr>
+          <p:cNvPicPr>
+            <a:picLocks noGrp="1" noChangeAspect="1"/>
+          </p:cNvPicPr>
+          <p:nvPr>
+            <p:ph idx="1"/>
+          </p:nvPr>
+        </p:nvPicPr>
+        <p:blipFill>
+          <a:blip r:embed="rId3">
+            <a:extLst>
+              <a:ext uri="{28A0092B-C50C-407E-A947-70E740481C1C}">
+                <a14:useLocalDpi xmlns:a14="http://schemas.microsoft.com/office/drawing/2010/main" val="0"/>
+              </a:ext>
+            </a:extLst>
+          </a:blip>
+          <a:stretch>
+            <a:fillRect/>
+          </a:stretch>
+        </p:blipFill>
+        <p:spPr>
+          <a:xfrm>
+            <a:off x="2737148" y="762000"/>
+            <a:ext cx="9124950" cy="3905250"/>
+          </a:xfrm>
+        </p:spPr>
+      </p:pic>
     </p:spTree>
     <p:extLst>
       <p:ext uri="{BB962C8B-B14F-4D97-AF65-F5344CB8AC3E}">
-        <p14:creationId xmlns:p14="http://schemas.microsoft.com/office/powerpoint/2010/main" val="3880616045"/>
+        <p14:creationId xmlns:p14="http://schemas.microsoft.com/office/powerpoint/2010/main" val="2860797160"/>
       </p:ext>
     </p:extLst>
   </p:cSld>
@@ -5072,13 +5845,12 @@
           <a:p>
             <a:pPr rtl="0"/>
             <a:r>
-              <a:rPr lang="zh-CN" altLang="en-US" dirty="0"/>
-              <a:t>数据相关问题的解决</a:t>
-            </a:r>
-            <a:endParaRPr lang="zh-CN" altLang="en-US" dirty="0">
-              <a:latin typeface="微软雅黑" panose="020B0503020204020204" pitchFamily="34" charset="-122"/>
-              <a:ea typeface="微软雅黑" panose="020B0503020204020204" pitchFamily="34" charset="-122"/>
-            </a:endParaRPr>
+              <a:rPr lang="zh-CN" altLang="en-US" dirty="0">
+                <a:latin typeface="微软雅黑" panose="020B0503020204020204" pitchFamily="34" charset="-122"/>
+                <a:ea typeface="微软雅黑" panose="020B0503020204020204" pitchFamily="34" charset="-122"/>
+              </a:rPr>
+              <a:t>关键控制信号及其含义</a:t>
+            </a:r>
           </a:p>
         </p:txBody>
       </p:sp>
@@ -5112,7 +5884,7 @@
     </p:spTree>
     <p:extLst>
       <p:ext uri="{BB962C8B-B14F-4D97-AF65-F5344CB8AC3E}">
-        <p14:creationId xmlns:p14="http://schemas.microsoft.com/office/powerpoint/2010/main" val="18049353"/>
+        <p14:creationId xmlns:p14="http://schemas.microsoft.com/office/powerpoint/2010/main" val="3880616045"/>
       </p:ext>
     </p:extLst>
   </p:cSld>
@@ -5162,7 +5934,7 @@
             <a:pPr rtl="0"/>
             <a:r>
               <a:rPr lang="zh-CN" altLang="en-US" dirty="0"/>
-              <a:t>流水线暂停</a:t>
+              <a:t>控制相关与分支预测</a:t>
             </a:r>
             <a:endParaRPr lang="zh-CN" altLang="en-US" dirty="0">
               <a:latin typeface="微软雅黑" panose="020B0503020204020204" pitchFamily="34" charset="-122"/>
@@ -5191,6 +5963,127 @@
           <a:bodyPr rtlCol="0"/>
           <a:lstStyle/>
           <a:p>
+            <a:r>
+              <a:rPr lang="zh-CN" altLang="en-US" dirty="0"/>
+              <a:t>控制相关：</a:t>
+            </a:r>
+            <a:endParaRPr lang="en-US" altLang="zh-CN" dirty="0"/>
+          </a:p>
+          <a:p>
+            <a:pPr lvl="1"/>
+            <a:r>
+              <a:rPr lang="zh-CN" altLang="en-US" dirty="0"/>
+              <a:t>分支和跳转指令影响接下来指令的取指</a:t>
+            </a:r>
+            <a:endParaRPr lang="en-US" altLang="zh-CN" dirty="0"/>
+          </a:p>
+          <a:p>
+            <a:pPr lvl="1"/>
+            <a:endParaRPr lang="en-US" altLang="zh-CN" dirty="0"/>
+          </a:p>
+          <a:p>
+            <a:r>
+              <a:rPr lang="zh-CN" altLang="en-US" dirty="0"/>
+              <a:t>控制相关的解决：</a:t>
+            </a:r>
+            <a:endParaRPr lang="en-US" altLang="zh-CN" dirty="0"/>
+          </a:p>
+          <a:p>
+            <a:pPr lvl="1"/>
+            <a:r>
+              <a:rPr lang="zh-CN" altLang="en-US" dirty="0"/>
+              <a:t>流水线暂停</a:t>
+            </a:r>
+            <a:endParaRPr lang="en-US" altLang="zh-CN" dirty="0"/>
+          </a:p>
+          <a:p>
+            <a:pPr lvl="1"/>
+            <a:r>
+              <a:rPr lang="zh-CN" altLang="en-US" dirty="0"/>
+              <a:t>分支预测</a:t>
+            </a:r>
+            <a:endParaRPr lang="en-US" altLang="zh-CN" dirty="0"/>
+          </a:p>
+          <a:p>
+            <a:pPr lvl="1"/>
+            <a:endParaRPr lang="en-US" altLang="zh-CN" dirty="0"/>
+          </a:p>
+          <a:p>
+            <a:r>
+              <a:rPr lang="zh-CN" altLang="en-US" dirty="0"/>
+              <a:t>流水线暂停：</a:t>
+            </a:r>
+            <a:endParaRPr lang="en-US" altLang="zh-CN" dirty="0"/>
+          </a:p>
+          <a:p>
+            <a:pPr lvl="1"/>
+            <a:r>
+              <a:rPr lang="en-US" altLang="zh-CN" dirty="0"/>
+              <a:t>Stall</a:t>
+            </a:r>
+            <a:r>
+              <a:rPr lang="zh-CN" altLang="en-US" dirty="0"/>
+              <a:t>控制模块</a:t>
+            </a:r>
+            <a:endParaRPr lang="en-US" altLang="zh-CN" dirty="0"/>
+          </a:p>
+          <a:p>
+            <a:pPr lvl="1"/>
+            <a:endParaRPr lang="en-US" altLang="zh-CN" dirty="0"/>
+          </a:p>
+          <a:p>
+            <a:r>
+              <a:rPr lang="zh-CN" altLang="en-US" dirty="0"/>
+              <a:t>分支预测</a:t>
+            </a:r>
+            <a:r>
+              <a:rPr lang="en-US" altLang="zh-CN" dirty="0"/>
+              <a:t>1</a:t>
+            </a:r>
+            <a:r>
+              <a:rPr lang="zh-CN" altLang="en-US" dirty="0"/>
+              <a:t>：</a:t>
+            </a:r>
+            <a:endParaRPr lang="en-US" altLang="zh-CN" dirty="0"/>
+          </a:p>
+          <a:p>
+            <a:pPr lvl="1"/>
+            <a:r>
+              <a:rPr lang="zh-CN" altLang="en-US" dirty="0">
+                <a:latin typeface="微软雅黑" panose="020B0503020204020204" pitchFamily="34" charset="-122"/>
+                <a:ea typeface="微软雅黑" panose="020B0503020204020204" pitchFamily="34" charset="-122"/>
+              </a:rPr>
+              <a:t>提前判断：修改</a:t>
+            </a:r>
+            <a:r>
+              <a:rPr lang="en-US" altLang="zh-CN" dirty="0">
+                <a:latin typeface="微软雅黑" panose="020B0503020204020204" pitchFamily="34" charset="-122"/>
+                <a:ea typeface="微软雅黑" panose="020B0503020204020204" pitchFamily="34" charset="-122"/>
+              </a:rPr>
+              <a:t>ID</a:t>
+            </a:r>
+            <a:r>
+              <a:rPr lang="zh-CN" altLang="en-US" dirty="0">
+                <a:latin typeface="微软雅黑" panose="020B0503020204020204" pitchFamily="34" charset="-122"/>
+                <a:ea typeface="微软雅黑" panose="020B0503020204020204" pitchFamily="34" charset="-122"/>
+              </a:rPr>
+              <a:t>部分</a:t>
+            </a:r>
+            <a:endParaRPr lang="en-US" altLang="zh-CN" dirty="0">
+              <a:latin typeface="微软雅黑" panose="020B0503020204020204" pitchFamily="34" charset="-122"/>
+              <a:ea typeface="微软雅黑" panose="020B0503020204020204" pitchFamily="34" charset="-122"/>
+            </a:endParaRPr>
+          </a:p>
+          <a:p>
+            <a:pPr lvl="1"/>
+            <a:r>
+              <a:rPr lang="zh-CN" altLang="en-US" dirty="0"/>
+              <a:t>引入延时槽指令</a:t>
+            </a:r>
+            <a:endParaRPr lang="en-US" altLang="zh-CN" dirty="0"/>
+          </a:p>
+          <a:p>
+            <a:pPr lvl="1"/>
             <a:endParaRPr lang="zh-CN" altLang="en-US" dirty="0">
               <a:latin typeface="微软雅黑" panose="020B0503020204020204" pitchFamily="34" charset="-122"/>
               <a:ea typeface="微软雅黑" panose="020B0503020204020204" pitchFamily="34" charset="-122"/>
@@ -5198,10 +6091,38 @@
           </a:p>
         </p:txBody>
       </p:sp>
+      <p:pic>
+        <p:nvPicPr>
+          <p:cNvPr id="4" name="图片 3">
+            <a:extLst>
+              <a:ext uri="{FF2B5EF4-FFF2-40B4-BE49-F238E27FC236}">
+                <a16:creationId xmlns:a16="http://schemas.microsoft.com/office/drawing/2014/main" id="{974D2C52-14BB-4ED5-928B-C5A7DC0D9354}"/>
+              </a:ext>
+            </a:extLst>
+          </p:cNvPr>
+          <p:cNvPicPr/>
+          <p:nvPr/>
+        </p:nvPicPr>
+        <p:blipFill>
+          <a:blip r:embed="rId3"/>
+          <a:stretch>
+            <a:fillRect/>
+          </a:stretch>
+        </p:blipFill>
+        <p:spPr>
+          <a:xfrm>
+            <a:off x="6096000" y="4941168"/>
+            <a:ext cx="4104456" cy="1300576"/>
+          </a:xfrm>
+          <a:prstGeom prst="rect">
+            <a:avLst/>
+          </a:prstGeom>
+        </p:spPr>
+      </p:pic>
     </p:spTree>
     <p:extLst>
       <p:ext uri="{BB962C8B-B14F-4D97-AF65-F5344CB8AC3E}">
-        <p14:creationId xmlns:p14="http://schemas.microsoft.com/office/powerpoint/2010/main" val="2706166031"/>
+        <p14:creationId xmlns:p14="http://schemas.microsoft.com/office/powerpoint/2010/main" val="3069696212"/>
       </p:ext>
     </p:extLst>
   </p:cSld>
@@ -5260,37 +6181,45 @@
           </a:p>
         </p:txBody>
       </p:sp>
-      <p:sp>
-        <p:nvSpPr>
-          <p:cNvPr id="14" name="内容占位符 13"/>
-          <p:cNvSpPr>
-            <a:spLocks noGrp="1"/>
-          </p:cNvSpPr>
+      <p:pic>
+        <p:nvPicPr>
+          <p:cNvPr id="5" name="内容占位符 4">
+            <a:extLst>
+              <a:ext uri="{FF2B5EF4-FFF2-40B4-BE49-F238E27FC236}">
+                <a16:creationId xmlns:a16="http://schemas.microsoft.com/office/drawing/2014/main" id="{B5F83F7A-20D9-4B01-B497-F36832087E6F}"/>
+              </a:ext>
+            </a:extLst>
+          </p:cNvPr>
+          <p:cNvPicPr>
+            <a:picLocks noGrp="1" noChangeAspect="1"/>
+          </p:cNvPicPr>
           <p:nvPr>
             <p:ph idx="1"/>
           </p:nvPr>
-        </p:nvSpPr>
+        </p:nvPicPr>
+        <p:blipFill>
+          <a:blip r:embed="rId2">
+            <a:extLst>
+              <a:ext uri="{28A0092B-C50C-407E-A947-70E740481C1C}">
+                <a14:useLocalDpi xmlns:a14="http://schemas.microsoft.com/office/drawing/2010/main" val="0"/>
+              </a:ext>
+            </a:extLst>
+          </a:blip>
+          <a:stretch>
+            <a:fillRect/>
+          </a:stretch>
+        </p:blipFill>
         <p:spPr>
           <a:xfrm>
-            <a:off x="407368" y="836712"/>
-            <a:ext cx="9900592" cy="5688632"/>
+            <a:off x="479376" y="971791"/>
+            <a:ext cx="8380395" cy="2440682"/>
           </a:xfrm>
         </p:spPr>
-        <p:txBody>
-          <a:bodyPr rtlCol="0"/>
-          <a:lstStyle/>
-          <a:p>
-            <a:endParaRPr lang="zh-CN" altLang="en-US" dirty="0">
-              <a:latin typeface="微软雅黑" panose="020B0503020204020204" pitchFamily="34" charset="-122"/>
-              <a:ea typeface="微软雅黑" panose="020B0503020204020204" pitchFamily="34" charset="-122"/>
-            </a:endParaRPr>
-          </a:p>
-        </p:txBody>
-      </p:sp>
+      </p:pic>
     </p:spTree>
     <p:extLst>
       <p:ext uri="{BB962C8B-B14F-4D97-AF65-F5344CB8AC3E}">
-        <p14:creationId xmlns:p14="http://schemas.microsoft.com/office/powerpoint/2010/main" val="3069696212"/>
+        <p14:creationId xmlns:p14="http://schemas.microsoft.com/office/powerpoint/2010/main" val="1447551892"/>
       </p:ext>
     </p:extLst>
   </p:cSld>
@@ -5441,7 +6370,7 @@
       </p:grpSpPr>
       <p:sp>
         <p:nvSpPr>
-          <p:cNvPr id="2" name="标题 1"/>
+          <p:cNvPr id="13" name="标题 12"/>
           <p:cNvSpPr>
             <a:spLocks noGrp="1"/>
           </p:cNvSpPr>
@@ -5449,40 +6378,92 @@
             <p:ph type="title"/>
           </p:nvPr>
         </p:nvSpPr>
-        <p:spPr/>
+        <p:spPr>
+          <a:xfrm>
+            <a:off x="-28897" y="0"/>
+            <a:ext cx="9144000" cy="762000"/>
+          </a:xfrm>
+        </p:spPr>
         <p:txBody>
           <a:bodyPr rtlCol="0"/>
           <a:lstStyle/>
           <a:p>
             <a:pPr rtl="0"/>
-            <a:endParaRPr/>
-          </a:p>
-        </p:txBody>
-      </p:sp>
-      <p:sp>
-        <p:nvSpPr>
-          <p:cNvPr id="3" name="文本占位符 2"/>
-          <p:cNvSpPr>
-            <a:spLocks noGrp="1"/>
-          </p:cNvSpPr>
-          <p:nvPr>
-            <p:ph type="body" idx="1"/>
-          </p:nvPr>
-        </p:nvSpPr>
-        <p:spPr/>
-        <p:txBody>
-          <a:bodyPr rtlCol="0"/>
+            <a:r>
+              <a:rPr lang="zh-CN" altLang="en-US" dirty="0"/>
+              <a:t>测试思路与测试程序</a:t>
+            </a:r>
+            <a:endParaRPr lang="zh-CN" altLang="en-US" dirty="0">
+              <a:latin typeface="微软雅黑" panose="020B0503020204020204" pitchFamily="34" charset="-122"/>
+              <a:ea typeface="微软雅黑" panose="020B0503020204020204" pitchFamily="34" charset="-122"/>
+            </a:endParaRPr>
+          </a:p>
+        </p:txBody>
+      </p:sp>
+      <p:sp>
+        <p:nvSpPr>
+          <p:cNvPr id="4" name="内容占位符 3">
+            <a:extLst>
+              <a:ext uri="{FF2B5EF4-FFF2-40B4-BE49-F238E27FC236}">
+                <a16:creationId xmlns:a16="http://schemas.microsoft.com/office/drawing/2014/main" id="{6DFF7974-2DB4-4017-ACA4-7EB39E92109A}"/>
+              </a:ext>
+            </a:extLst>
+          </p:cNvPr>
+          <p:cNvSpPr>
+            <a:spLocks noGrp="1"/>
+          </p:cNvSpPr>
+          <p:nvPr>
+            <p:ph sz="half" idx="1"/>
+          </p:nvPr>
+        </p:nvSpPr>
+        <p:spPr>
+          <a:xfrm>
+            <a:off x="407368" y="980728"/>
+            <a:ext cx="5172000" cy="5115272"/>
+          </a:xfrm>
+        </p:spPr>
+        <p:txBody>
+          <a:bodyPr/>
           <a:lstStyle/>
           <a:p>
-            <a:pPr rtl="0"/>
-            <a:endParaRPr/>
+            <a:endParaRPr lang="zh-CN" altLang="en-US" dirty="0"/>
+          </a:p>
+        </p:txBody>
+      </p:sp>
+      <p:sp>
+        <p:nvSpPr>
+          <p:cNvPr id="5" name="内容占位符 4">
+            <a:extLst>
+              <a:ext uri="{FF2B5EF4-FFF2-40B4-BE49-F238E27FC236}">
+                <a16:creationId xmlns:a16="http://schemas.microsoft.com/office/drawing/2014/main" id="{FCB2C832-4E30-4407-B798-29179DA59B9C}"/>
+              </a:ext>
+            </a:extLst>
+          </p:cNvPr>
+          <p:cNvSpPr>
+            <a:spLocks noGrp="1"/>
+          </p:cNvSpPr>
+          <p:nvPr>
+            <p:ph sz="half" idx="2"/>
+          </p:nvPr>
+        </p:nvSpPr>
+        <p:spPr>
+          <a:xfrm>
+            <a:off x="6529103" y="980729"/>
+            <a:ext cx="5172000" cy="5115271"/>
+          </a:xfrm>
+        </p:spPr>
+        <p:txBody>
+          <a:bodyPr/>
+          <a:lstStyle/>
+          <a:p>
+            <a:endParaRPr lang="zh-CN" altLang="en-US" dirty="0"/>
           </a:p>
         </p:txBody>
       </p:sp>
     </p:spTree>
     <p:extLst>
       <p:ext uri="{BB962C8B-B14F-4D97-AF65-F5344CB8AC3E}">
-        <p14:creationId xmlns:p14="http://schemas.microsoft.com/office/powerpoint/2010/main" val="3444435236"/>
+        <p14:creationId xmlns:p14="http://schemas.microsoft.com/office/powerpoint/2010/main" val="743389188"/>
       </p:ext>
     </p:extLst>
   </p:cSld>
@@ -6276,129 +7257,12 @@
 </file>
 
 <file path=customXml/item1.xml><?xml version="1.0" encoding="utf-8"?>
-<p:properties xmlns:p="http://schemas.microsoft.com/office/2006/metadata/properties" xmlns:xsi="http://www.w3.org/2001/XMLSchema-instance" xmlns:pc="http://schemas.microsoft.com/office/infopath/2007/PartnerControls">
-  <documentManagement>
-    <DirectSourceMarket xmlns="4873beb7-5857-4685-be1f-d57550cc96cc" xsi:nil="true"/>
-    <ApprovalStatus xmlns="4873beb7-5857-4685-be1f-d57550cc96cc">InProgress</ApprovalStatus>
-    <MarketSpecific xmlns="4873beb7-5857-4685-be1f-d57550cc96cc">false</MarketSpecific>
-    <LocComments xmlns="4873beb7-5857-4685-be1f-d57550cc96cc" xsi:nil="true"/>
-    <ThumbnailAssetId xmlns="4873beb7-5857-4685-be1f-d57550cc96cc" xsi:nil="true"/>
-    <PrimaryImageGen xmlns="4873beb7-5857-4685-be1f-d57550cc96cc">true</PrimaryImageGen>
-    <LegacyData xmlns="4873beb7-5857-4685-be1f-d57550cc96cc" xsi:nil="true"/>
-    <LocRecommendedHandoff xmlns="4873beb7-5857-4685-be1f-d57550cc96cc" xsi:nil="true"/>
-    <BusinessGroup xmlns="4873beb7-5857-4685-be1f-d57550cc96cc" xsi:nil="true"/>
-    <BlockPublish xmlns="4873beb7-5857-4685-be1f-d57550cc96cc">false</BlockPublish>
-    <TPFriendlyName xmlns="4873beb7-5857-4685-be1f-d57550cc96cc" xsi:nil="true"/>
-    <NumericId xmlns="4873beb7-5857-4685-be1f-d57550cc96cc" xsi:nil="true"/>
-    <APEditor xmlns="4873beb7-5857-4685-be1f-d57550cc96cc">
-      <UserInfo>
-        <DisplayName/>
-        <AccountId xsi:nil="true"/>
-        <AccountType/>
-      </UserInfo>
-    </APEditor>
-    <SourceTitle xmlns="4873beb7-5857-4685-be1f-d57550cc96cc" xsi:nil="true"/>
-    <OpenTemplate xmlns="4873beb7-5857-4685-be1f-d57550cc96cc">true</OpenTemplate>
-    <UALocComments xmlns="4873beb7-5857-4685-be1f-d57550cc96cc" xsi:nil="true"/>
-    <ParentAssetId xmlns="4873beb7-5857-4685-be1f-d57550cc96cc" xsi:nil="true"/>
-    <IntlLangReviewDate xmlns="4873beb7-5857-4685-be1f-d57550cc96cc" xsi:nil="true"/>
-    <FeatureTagsTaxHTField0 xmlns="4873beb7-5857-4685-be1f-d57550cc96cc">
-      <Terms xmlns="http://schemas.microsoft.com/office/infopath/2007/PartnerControls"/>
-    </FeatureTagsTaxHTField0>
-    <PublishStatusLookup xmlns="4873beb7-5857-4685-be1f-d57550cc96cc">
-      <Value>1566889</Value>
-    </PublishStatusLookup>
-    <Providers xmlns="4873beb7-5857-4685-be1f-d57550cc96cc" xsi:nil="true"/>
-    <MachineTranslated xmlns="4873beb7-5857-4685-be1f-d57550cc96cc">false</MachineTranslated>
-    <OriginalSourceMarket xmlns="4873beb7-5857-4685-be1f-d57550cc96cc" xsi:nil="true"/>
-    <APDescription xmlns="4873beb7-5857-4685-be1f-d57550cc96cc" xsi:nil="true"/>
-    <ClipArtFilename xmlns="4873beb7-5857-4685-be1f-d57550cc96cc" xsi:nil="true"/>
-    <ContentItem xmlns="4873beb7-5857-4685-be1f-d57550cc96cc" xsi:nil="true"/>
-    <TPInstallLocation xmlns="4873beb7-5857-4685-be1f-d57550cc96cc" xsi:nil="true"/>
-    <PublishTargets xmlns="4873beb7-5857-4685-be1f-d57550cc96cc">OfficeOnlineVNext</PublishTargets>
-    <TimesCloned xmlns="4873beb7-5857-4685-be1f-d57550cc96cc" xsi:nil="true"/>
-    <AssetStart xmlns="4873beb7-5857-4685-be1f-d57550cc96cc">2012-05-23T08:44:00+00:00</AssetStart>
-    <Provider xmlns="4873beb7-5857-4685-be1f-d57550cc96cc" xsi:nil="true"/>
-    <AcquiredFrom xmlns="4873beb7-5857-4685-be1f-d57550cc96cc">Internal MS</AcquiredFrom>
-    <FriendlyTitle xmlns="4873beb7-5857-4685-be1f-d57550cc96cc" xsi:nil="true"/>
-    <LastHandOff xmlns="4873beb7-5857-4685-be1f-d57550cc96cc" xsi:nil="true"/>
-    <TPClientViewer xmlns="4873beb7-5857-4685-be1f-d57550cc96cc" xsi:nil="true"/>
-    <UACurrentWords xmlns="4873beb7-5857-4685-be1f-d57550cc96cc" xsi:nil="true"/>
-    <ArtSampleDocs xmlns="4873beb7-5857-4685-be1f-d57550cc96cc" xsi:nil="true"/>
-    <UALocRecommendation xmlns="4873beb7-5857-4685-be1f-d57550cc96cc">Localize</UALocRecommendation>
-    <Manager xmlns="4873beb7-5857-4685-be1f-d57550cc96cc" xsi:nil="true"/>
-    <ShowIn xmlns="4873beb7-5857-4685-be1f-d57550cc96cc">Show everywhere</ShowIn>
-    <UANotes xmlns="4873beb7-5857-4685-be1f-d57550cc96cc" xsi:nil="true"/>
-    <TemplateStatus xmlns="4873beb7-5857-4685-be1f-d57550cc96cc">Complete</TemplateStatus>
-    <InternalTagsTaxHTField0 xmlns="4873beb7-5857-4685-be1f-d57550cc96cc">
-      <Terms xmlns="http://schemas.microsoft.com/office/infopath/2007/PartnerControls"/>
-    </InternalTagsTaxHTField0>
-    <CSXHash xmlns="4873beb7-5857-4685-be1f-d57550cc96cc" xsi:nil="true"/>
-    <Downloads xmlns="4873beb7-5857-4685-be1f-d57550cc96cc">0</Downloads>
-    <VoteCount xmlns="4873beb7-5857-4685-be1f-d57550cc96cc" xsi:nil="true"/>
-    <OOCacheId xmlns="4873beb7-5857-4685-be1f-d57550cc96cc" xsi:nil="true"/>
-    <IsDeleted xmlns="4873beb7-5857-4685-be1f-d57550cc96cc">false</IsDeleted>
-    <AssetExpire xmlns="4873beb7-5857-4685-be1f-d57550cc96cc">2029-01-01T08:00:00+00:00</AssetExpire>
-    <DSATActionTaken xmlns="4873beb7-5857-4685-be1f-d57550cc96cc" xsi:nil="true"/>
-    <CSXSubmissionMarket xmlns="4873beb7-5857-4685-be1f-d57550cc96cc" xsi:nil="true"/>
-    <TPExecutable xmlns="4873beb7-5857-4685-be1f-d57550cc96cc" xsi:nil="true"/>
-    <SubmitterId xmlns="4873beb7-5857-4685-be1f-d57550cc96cc" xsi:nil="true"/>
-    <EditorialTags xmlns="4873beb7-5857-4685-be1f-d57550cc96cc" xsi:nil="true"/>
-    <ApprovalLog xmlns="4873beb7-5857-4685-be1f-d57550cc96cc" xsi:nil="true"/>
-    <AssetType xmlns="4873beb7-5857-4685-be1f-d57550cc96cc">TP</AssetType>
-    <BugNumber xmlns="4873beb7-5857-4685-be1f-d57550cc96cc" xsi:nil="true"/>
-    <CSXSubmissionDate xmlns="4873beb7-5857-4685-be1f-d57550cc96cc" xsi:nil="true"/>
-    <CSXUpdate xmlns="4873beb7-5857-4685-be1f-d57550cc96cc">false</CSXUpdate>
-    <Milestone xmlns="4873beb7-5857-4685-be1f-d57550cc96cc" xsi:nil="true"/>
-    <RecommendationsModifier xmlns="4873beb7-5857-4685-be1f-d57550cc96cc" xsi:nil="true"/>
-    <OriginAsset xmlns="4873beb7-5857-4685-be1f-d57550cc96cc" xsi:nil="true"/>
-    <TPComponent xmlns="4873beb7-5857-4685-be1f-d57550cc96cc" xsi:nil="true"/>
-    <AssetId xmlns="4873beb7-5857-4685-be1f-d57550cc96cc">TP102901017</AssetId>
-    <IntlLocPriority xmlns="4873beb7-5857-4685-be1f-d57550cc96cc" xsi:nil="true"/>
-    <PolicheckWords xmlns="4873beb7-5857-4685-be1f-d57550cc96cc" xsi:nil="true"/>
-    <TPLaunchHelpLink xmlns="4873beb7-5857-4685-be1f-d57550cc96cc" xsi:nil="true"/>
-    <TPApplication xmlns="4873beb7-5857-4685-be1f-d57550cc96cc" xsi:nil="true"/>
-    <CrawlForDependencies xmlns="4873beb7-5857-4685-be1f-d57550cc96cc">false</CrawlForDependencies>
-    <HandoffToMSDN xmlns="4873beb7-5857-4685-be1f-d57550cc96cc" xsi:nil="true"/>
-    <PlannedPubDate xmlns="4873beb7-5857-4685-be1f-d57550cc96cc" xsi:nil="true"/>
-    <IntlLangReviewer xmlns="4873beb7-5857-4685-be1f-d57550cc96cc" xsi:nil="true"/>
-    <TrustLevel xmlns="4873beb7-5857-4685-be1f-d57550cc96cc">1 Microsoft Managed Content</TrustLevel>
-    <LocLastLocAttemptVersionLookup xmlns="4873beb7-5857-4685-be1f-d57550cc96cc">836753</LocLastLocAttemptVersionLookup>
-    <IsSearchable xmlns="4873beb7-5857-4685-be1f-d57550cc96cc">true</IsSearchable>
-    <TemplateTemplateType xmlns="4873beb7-5857-4685-be1f-d57550cc96cc">PowerPoint Design Template</TemplateTemplateType>
-    <CampaignTagsTaxHTField0 xmlns="4873beb7-5857-4685-be1f-d57550cc96cc">
-      <Terms xmlns="http://schemas.microsoft.com/office/infopath/2007/PartnerControls"/>
-    </CampaignTagsTaxHTField0>
-    <TPNamespace xmlns="4873beb7-5857-4685-be1f-d57550cc96cc" xsi:nil="true"/>
-    <TaxCatchAll xmlns="4873beb7-5857-4685-be1f-d57550cc96cc"/>
-    <Markets xmlns="4873beb7-5857-4685-be1f-d57550cc96cc"/>
-    <UAProjectedTotalWords xmlns="4873beb7-5857-4685-be1f-d57550cc96cc" xsi:nil="true"/>
-    <IntlLangReview xmlns="4873beb7-5857-4685-be1f-d57550cc96cc">false</IntlLangReview>
-    <OutputCachingOn xmlns="4873beb7-5857-4685-be1f-d57550cc96cc">false</OutputCachingOn>
-    <AverageRating xmlns="4873beb7-5857-4685-be1f-d57550cc96cc" xsi:nil="true"/>
-    <APAuthor xmlns="4873beb7-5857-4685-be1f-d57550cc96cc">
-      <UserInfo>
-        <DisplayName>REDMOND\v-anij</DisplayName>
-        <AccountId>2469</AccountId>
-        <AccountType/>
-      </UserInfo>
-    </APAuthor>
-    <LocManualTestRequired xmlns="4873beb7-5857-4685-be1f-d57550cc96cc">false</LocManualTestRequired>
-    <TPCommandLine xmlns="4873beb7-5857-4685-be1f-d57550cc96cc" xsi:nil="true"/>
-    <TPAppVersion xmlns="4873beb7-5857-4685-be1f-d57550cc96cc" xsi:nil="true"/>
-    <EditorialStatus xmlns="4873beb7-5857-4685-be1f-d57550cc96cc">Complete</EditorialStatus>
-    <LastModifiedDateTime xmlns="4873beb7-5857-4685-be1f-d57550cc96cc" xsi:nil="true"/>
-    <ScenarioTagsTaxHTField0 xmlns="4873beb7-5857-4685-be1f-d57550cc96cc">
-      <Terms xmlns="http://schemas.microsoft.com/office/infopath/2007/PartnerControls"/>
-    </ScenarioTagsTaxHTField0>
-    <OriginalRelease xmlns="4873beb7-5857-4685-be1f-d57550cc96cc">15</OriginalRelease>
-    <TPLaunchHelpLinkType xmlns="4873beb7-5857-4685-be1f-d57550cc96cc">Template</TPLaunchHelpLinkType>
-    <LocalizationTagsTaxHTField0 xmlns="4873beb7-5857-4685-be1f-d57550cc96cc">
-      <Terms xmlns="http://schemas.microsoft.com/office/infopath/2007/PartnerControls"/>
-    </LocalizationTagsTaxHTField0>
-    <LocMarketGroupTiers2 xmlns="4873beb7-5857-4685-be1f-d57550cc96cc" xsi:nil="true"/>
-  </documentManagement>
-</p:properties>
+<?mso-contentType ?>
+<FormTemplates xmlns="http://schemas.microsoft.com/sharepoint/v3/contenttype/forms">
+  <Display>DocumentLibraryForm</Display>
+  <Edit>AssetEditForm</Edit>
+  <New>DocumentLibraryForm</New>
+</FormTemplates>
 </file>
 
 <file path=customXml/item2.xml><?xml version="1.0" encoding="utf-8"?>
@@ -7442,20 +8306,135 @@
 </file>
 
 <file path=customXml/item3.xml><?xml version="1.0" encoding="utf-8"?>
-<?mso-contentType ?>
-<FormTemplates xmlns="http://schemas.microsoft.com/sharepoint/v3/contenttype/forms">
-  <Display>DocumentLibraryForm</Display>
-  <Edit>AssetEditForm</Edit>
-  <New>DocumentLibraryForm</New>
-</FormTemplates>
+<p:properties xmlns:p="http://schemas.microsoft.com/office/2006/metadata/properties" xmlns:xsi="http://www.w3.org/2001/XMLSchema-instance" xmlns:pc="http://schemas.microsoft.com/office/infopath/2007/PartnerControls">
+  <documentManagement>
+    <DirectSourceMarket xmlns="4873beb7-5857-4685-be1f-d57550cc96cc" xsi:nil="true"/>
+    <ApprovalStatus xmlns="4873beb7-5857-4685-be1f-d57550cc96cc">InProgress</ApprovalStatus>
+    <MarketSpecific xmlns="4873beb7-5857-4685-be1f-d57550cc96cc">false</MarketSpecific>
+    <LocComments xmlns="4873beb7-5857-4685-be1f-d57550cc96cc" xsi:nil="true"/>
+    <ThumbnailAssetId xmlns="4873beb7-5857-4685-be1f-d57550cc96cc" xsi:nil="true"/>
+    <PrimaryImageGen xmlns="4873beb7-5857-4685-be1f-d57550cc96cc">true</PrimaryImageGen>
+    <LegacyData xmlns="4873beb7-5857-4685-be1f-d57550cc96cc" xsi:nil="true"/>
+    <LocRecommendedHandoff xmlns="4873beb7-5857-4685-be1f-d57550cc96cc" xsi:nil="true"/>
+    <BusinessGroup xmlns="4873beb7-5857-4685-be1f-d57550cc96cc" xsi:nil="true"/>
+    <BlockPublish xmlns="4873beb7-5857-4685-be1f-d57550cc96cc">false</BlockPublish>
+    <TPFriendlyName xmlns="4873beb7-5857-4685-be1f-d57550cc96cc" xsi:nil="true"/>
+    <NumericId xmlns="4873beb7-5857-4685-be1f-d57550cc96cc" xsi:nil="true"/>
+    <APEditor xmlns="4873beb7-5857-4685-be1f-d57550cc96cc">
+      <UserInfo>
+        <DisplayName/>
+        <AccountId xsi:nil="true"/>
+        <AccountType/>
+      </UserInfo>
+    </APEditor>
+    <SourceTitle xmlns="4873beb7-5857-4685-be1f-d57550cc96cc" xsi:nil="true"/>
+    <OpenTemplate xmlns="4873beb7-5857-4685-be1f-d57550cc96cc">true</OpenTemplate>
+    <UALocComments xmlns="4873beb7-5857-4685-be1f-d57550cc96cc" xsi:nil="true"/>
+    <ParentAssetId xmlns="4873beb7-5857-4685-be1f-d57550cc96cc" xsi:nil="true"/>
+    <IntlLangReviewDate xmlns="4873beb7-5857-4685-be1f-d57550cc96cc" xsi:nil="true"/>
+    <FeatureTagsTaxHTField0 xmlns="4873beb7-5857-4685-be1f-d57550cc96cc">
+      <Terms xmlns="http://schemas.microsoft.com/office/infopath/2007/PartnerControls"/>
+    </FeatureTagsTaxHTField0>
+    <PublishStatusLookup xmlns="4873beb7-5857-4685-be1f-d57550cc96cc">
+      <Value>1566889</Value>
+    </PublishStatusLookup>
+    <Providers xmlns="4873beb7-5857-4685-be1f-d57550cc96cc" xsi:nil="true"/>
+    <MachineTranslated xmlns="4873beb7-5857-4685-be1f-d57550cc96cc">false</MachineTranslated>
+    <OriginalSourceMarket xmlns="4873beb7-5857-4685-be1f-d57550cc96cc" xsi:nil="true"/>
+    <APDescription xmlns="4873beb7-5857-4685-be1f-d57550cc96cc" xsi:nil="true"/>
+    <ClipArtFilename xmlns="4873beb7-5857-4685-be1f-d57550cc96cc" xsi:nil="true"/>
+    <ContentItem xmlns="4873beb7-5857-4685-be1f-d57550cc96cc" xsi:nil="true"/>
+    <TPInstallLocation xmlns="4873beb7-5857-4685-be1f-d57550cc96cc" xsi:nil="true"/>
+    <PublishTargets xmlns="4873beb7-5857-4685-be1f-d57550cc96cc">OfficeOnlineVNext</PublishTargets>
+    <TimesCloned xmlns="4873beb7-5857-4685-be1f-d57550cc96cc" xsi:nil="true"/>
+    <AssetStart xmlns="4873beb7-5857-4685-be1f-d57550cc96cc">2012-05-23T08:44:00+00:00</AssetStart>
+    <Provider xmlns="4873beb7-5857-4685-be1f-d57550cc96cc" xsi:nil="true"/>
+    <AcquiredFrom xmlns="4873beb7-5857-4685-be1f-d57550cc96cc">Internal MS</AcquiredFrom>
+    <FriendlyTitle xmlns="4873beb7-5857-4685-be1f-d57550cc96cc" xsi:nil="true"/>
+    <LastHandOff xmlns="4873beb7-5857-4685-be1f-d57550cc96cc" xsi:nil="true"/>
+    <TPClientViewer xmlns="4873beb7-5857-4685-be1f-d57550cc96cc" xsi:nil="true"/>
+    <UACurrentWords xmlns="4873beb7-5857-4685-be1f-d57550cc96cc" xsi:nil="true"/>
+    <ArtSampleDocs xmlns="4873beb7-5857-4685-be1f-d57550cc96cc" xsi:nil="true"/>
+    <UALocRecommendation xmlns="4873beb7-5857-4685-be1f-d57550cc96cc">Localize</UALocRecommendation>
+    <Manager xmlns="4873beb7-5857-4685-be1f-d57550cc96cc" xsi:nil="true"/>
+    <ShowIn xmlns="4873beb7-5857-4685-be1f-d57550cc96cc">Show everywhere</ShowIn>
+    <UANotes xmlns="4873beb7-5857-4685-be1f-d57550cc96cc" xsi:nil="true"/>
+    <TemplateStatus xmlns="4873beb7-5857-4685-be1f-d57550cc96cc">Complete</TemplateStatus>
+    <InternalTagsTaxHTField0 xmlns="4873beb7-5857-4685-be1f-d57550cc96cc">
+      <Terms xmlns="http://schemas.microsoft.com/office/infopath/2007/PartnerControls"/>
+    </InternalTagsTaxHTField0>
+    <CSXHash xmlns="4873beb7-5857-4685-be1f-d57550cc96cc" xsi:nil="true"/>
+    <Downloads xmlns="4873beb7-5857-4685-be1f-d57550cc96cc">0</Downloads>
+    <VoteCount xmlns="4873beb7-5857-4685-be1f-d57550cc96cc" xsi:nil="true"/>
+    <OOCacheId xmlns="4873beb7-5857-4685-be1f-d57550cc96cc" xsi:nil="true"/>
+    <IsDeleted xmlns="4873beb7-5857-4685-be1f-d57550cc96cc">false</IsDeleted>
+    <AssetExpire xmlns="4873beb7-5857-4685-be1f-d57550cc96cc">2029-01-01T08:00:00+00:00</AssetExpire>
+    <DSATActionTaken xmlns="4873beb7-5857-4685-be1f-d57550cc96cc" xsi:nil="true"/>
+    <CSXSubmissionMarket xmlns="4873beb7-5857-4685-be1f-d57550cc96cc" xsi:nil="true"/>
+    <TPExecutable xmlns="4873beb7-5857-4685-be1f-d57550cc96cc" xsi:nil="true"/>
+    <SubmitterId xmlns="4873beb7-5857-4685-be1f-d57550cc96cc" xsi:nil="true"/>
+    <EditorialTags xmlns="4873beb7-5857-4685-be1f-d57550cc96cc" xsi:nil="true"/>
+    <ApprovalLog xmlns="4873beb7-5857-4685-be1f-d57550cc96cc" xsi:nil="true"/>
+    <AssetType xmlns="4873beb7-5857-4685-be1f-d57550cc96cc">TP</AssetType>
+    <BugNumber xmlns="4873beb7-5857-4685-be1f-d57550cc96cc" xsi:nil="true"/>
+    <CSXSubmissionDate xmlns="4873beb7-5857-4685-be1f-d57550cc96cc" xsi:nil="true"/>
+    <CSXUpdate xmlns="4873beb7-5857-4685-be1f-d57550cc96cc">false</CSXUpdate>
+    <Milestone xmlns="4873beb7-5857-4685-be1f-d57550cc96cc" xsi:nil="true"/>
+    <RecommendationsModifier xmlns="4873beb7-5857-4685-be1f-d57550cc96cc" xsi:nil="true"/>
+    <OriginAsset xmlns="4873beb7-5857-4685-be1f-d57550cc96cc" xsi:nil="true"/>
+    <TPComponent xmlns="4873beb7-5857-4685-be1f-d57550cc96cc" xsi:nil="true"/>
+    <AssetId xmlns="4873beb7-5857-4685-be1f-d57550cc96cc">TP102901017</AssetId>
+    <IntlLocPriority xmlns="4873beb7-5857-4685-be1f-d57550cc96cc" xsi:nil="true"/>
+    <PolicheckWords xmlns="4873beb7-5857-4685-be1f-d57550cc96cc" xsi:nil="true"/>
+    <TPLaunchHelpLink xmlns="4873beb7-5857-4685-be1f-d57550cc96cc" xsi:nil="true"/>
+    <TPApplication xmlns="4873beb7-5857-4685-be1f-d57550cc96cc" xsi:nil="true"/>
+    <CrawlForDependencies xmlns="4873beb7-5857-4685-be1f-d57550cc96cc">false</CrawlForDependencies>
+    <HandoffToMSDN xmlns="4873beb7-5857-4685-be1f-d57550cc96cc" xsi:nil="true"/>
+    <PlannedPubDate xmlns="4873beb7-5857-4685-be1f-d57550cc96cc" xsi:nil="true"/>
+    <IntlLangReviewer xmlns="4873beb7-5857-4685-be1f-d57550cc96cc" xsi:nil="true"/>
+    <TrustLevel xmlns="4873beb7-5857-4685-be1f-d57550cc96cc">1 Microsoft Managed Content</TrustLevel>
+    <LocLastLocAttemptVersionLookup xmlns="4873beb7-5857-4685-be1f-d57550cc96cc">836753</LocLastLocAttemptVersionLookup>
+    <IsSearchable xmlns="4873beb7-5857-4685-be1f-d57550cc96cc">true</IsSearchable>
+    <TemplateTemplateType xmlns="4873beb7-5857-4685-be1f-d57550cc96cc">PowerPoint Design Template</TemplateTemplateType>
+    <CampaignTagsTaxHTField0 xmlns="4873beb7-5857-4685-be1f-d57550cc96cc">
+      <Terms xmlns="http://schemas.microsoft.com/office/infopath/2007/PartnerControls"/>
+    </CampaignTagsTaxHTField0>
+    <TPNamespace xmlns="4873beb7-5857-4685-be1f-d57550cc96cc" xsi:nil="true"/>
+    <TaxCatchAll xmlns="4873beb7-5857-4685-be1f-d57550cc96cc"/>
+    <Markets xmlns="4873beb7-5857-4685-be1f-d57550cc96cc"/>
+    <UAProjectedTotalWords xmlns="4873beb7-5857-4685-be1f-d57550cc96cc" xsi:nil="true"/>
+    <IntlLangReview xmlns="4873beb7-5857-4685-be1f-d57550cc96cc">false</IntlLangReview>
+    <OutputCachingOn xmlns="4873beb7-5857-4685-be1f-d57550cc96cc">false</OutputCachingOn>
+    <AverageRating xmlns="4873beb7-5857-4685-be1f-d57550cc96cc" xsi:nil="true"/>
+    <APAuthor xmlns="4873beb7-5857-4685-be1f-d57550cc96cc">
+      <UserInfo>
+        <DisplayName>REDMOND\v-anij</DisplayName>
+        <AccountId>2469</AccountId>
+        <AccountType/>
+      </UserInfo>
+    </APAuthor>
+    <LocManualTestRequired xmlns="4873beb7-5857-4685-be1f-d57550cc96cc">false</LocManualTestRequired>
+    <TPCommandLine xmlns="4873beb7-5857-4685-be1f-d57550cc96cc" xsi:nil="true"/>
+    <TPAppVersion xmlns="4873beb7-5857-4685-be1f-d57550cc96cc" xsi:nil="true"/>
+    <EditorialStatus xmlns="4873beb7-5857-4685-be1f-d57550cc96cc">Complete</EditorialStatus>
+    <LastModifiedDateTime xmlns="4873beb7-5857-4685-be1f-d57550cc96cc" xsi:nil="true"/>
+    <ScenarioTagsTaxHTField0 xmlns="4873beb7-5857-4685-be1f-d57550cc96cc">
+      <Terms xmlns="http://schemas.microsoft.com/office/infopath/2007/PartnerControls"/>
+    </ScenarioTagsTaxHTField0>
+    <OriginalRelease xmlns="4873beb7-5857-4685-be1f-d57550cc96cc">15</OriginalRelease>
+    <TPLaunchHelpLinkType xmlns="4873beb7-5857-4685-be1f-d57550cc96cc">Template</TPLaunchHelpLinkType>
+    <LocalizationTagsTaxHTField0 xmlns="4873beb7-5857-4685-be1f-d57550cc96cc">
+      <Terms xmlns="http://schemas.microsoft.com/office/infopath/2007/PartnerControls"/>
+    </LocalizationTagsTaxHTField0>
+    <LocMarketGroupTiers2 xmlns="4873beb7-5857-4685-be1f-d57550cc96cc" xsi:nil="true"/>
+  </documentManagement>
+</p:properties>
 </file>
 
 <file path=customXml/itemProps1.xml><?xml version="1.0" encoding="utf-8"?>
-<ds:datastoreItem xmlns:ds="http://schemas.openxmlformats.org/officeDocument/2006/customXml" ds:itemID="{04098515-0C12-46CF-BC7C-69B4A13CD5FA}">
+<ds:datastoreItem xmlns:ds="http://schemas.openxmlformats.org/officeDocument/2006/customXml" ds:itemID="{746CFF6F-D9AA-4BC0-911A-0A1356771912}">
   <ds:schemaRefs>
-    <ds:schemaRef ds:uri="http://schemas.microsoft.com/office/2006/metadata/properties"/>
-    <ds:schemaRef ds:uri="http://schemas.microsoft.com/office/infopath/2007/PartnerControls"/>
-    <ds:schemaRef ds:uri="4873beb7-5857-4685-be1f-d57550cc96cc"/>
+    <ds:schemaRef ds:uri="http://schemas.microsoft.com/sharepoint/v3/contenttype/forms"/>
   </ds:schemaRefs>
 </ds:datastoreItem>
 </file>
@@ -7479,9 +8458,11 @@
 </file>
 
 <file path=customXml/itemProps3.xml><?xml version="1.0" encoding="utf-8"?>
-<ds:datastoreItem xmlns:ds="http://schemas.openxmlformats.org/officeDocument/2006/customXml" ds:itemID="{746CFF6F-D9AA-4BC0-911A-0A1356771912}">
+<ds:datastoreItem xmlns:ds="http://schemas.openxmlformats.org/officeDocument/2006/customXml" ds:itemID="{04098515-0C12-46CF-BC7C-69B4A13CD5FA}">
   <ds:schemaRefs>
-    <ds:schemaRef ds:uri="http://schemas.microsoft.com/sharepoint/v3/contenttype/forms"/>
+    <ds:schemaRef ds:uri="http://schemas.microsoft.com/office/2006/metadata/properties"/>
+    <ds:schemaRef ds:uri="http://schemas.microsoft.com/office/infopath/2007/PartnerControls"/>
+    <ds:schemaRef ds:uri="4873beb7-5857-4685-be1f-d57550cc96cc"/>
   </ds:schemaRefs>
 </ds:datastoreItem>
 </file>